--- a/Doc/Regex.pptx
+++ b/Doc/Regex.pptx
@@ -5,10 +5,10 @@
     <p:sldMasterId id="2147483651" r:id="rId1"/>
   </p:sldMasterIdLst>
   <p:notesMasterIdLst>
-    <p:notesMasterId r:id="rId12"/>
+    <p:notesMasterId r:id="rId14"/>
   </p:notesMasterIdLst>
   <p:handoutMasterIdLst>
-    <p:handoutMasterId r:id="rId13"/>
+    <p:handoutMasterId r:id="rId15"/>
   </p:handoutMasterIdLst>
   <p:sldIdLst>
     <p:sldId id="282" r:id="rId2"/>
@@ -21,6 +21,8 @@
     <p:sldId id="520" r:id="rId9"/>
     <p:sldId id="521" r:id="rId10"/>
     <p:sldId id="522" r:id="rId11"/>
+    <p:sldId id="523" r:id="rId12"/>
+    <p:sldId id="524" r:id="rId13"/>
   </p:sldIdLst>
   <p:sldSz cx="9144000" cy="6858000" type="screen4x3"/>
   <p:notesSz cx="6858000" cy="9144000"/>
@@ -4246,7 +4248,7 @@
           <a:p>
             <a:r>
               <a:rPr lang="ru-RU" sz="3600" dirty="0"/>
-              <a:t>Пример</a:t>
+              <a:t>Примеры</a:t>
             </a:r>
           </a:p>
         </p:txBody>
@@ -4263,14 +4265,15 @@
         </p:nvSpPr>
         <p:spPr>
           <a:xfrm>
-            <a:off x="457200" y="836712"/>
-            <a:ext cx="8329642" cy="5328592"/>
+            <a:off x="457200" y="1412776"/>
+            <a:ext cx="8329642" cy="4248472"/>
           </a:xfrm>
         </p:spPr>
         <p:txBody>
           <a:bodyPr/>
           <a:lstStyle/>
           <a:p>
+            <a:pPr algn="just"/>
             <a:r>
               <a:rPr lang="en-US" sz="2000" dirty="0"/>
               <a:t>(2[0-3]|[0-1]\d):[0-5]\d</a:t>
@@ -4290,6 +4293,7 @@
             <a:endParaRPr lang="en-US" sz="2000" dirty="0"/>
           </a:p>
           <a:p>
+            <a:pPr algn="just"/>
             <a:r>
               <a:rPr lang="en-US" sz="2000" dirty="0"/>
               <a:t>^((8|\+7)[\- ]?)?(\(?\d{3}\)?[\- ]?)?[\d\- ]{7,10}$ - </a:t>
@@ -4300,7 +4304,7 @@
             </a:r>
           </a:p>
           <a:p>
-            <a:pPr lvl="1"/>
+            <a:pPr lvl="1" algn="just"/>
             <a:r>
               <a:rPr lang="en-US" sz="1600" dirty="0"/>
               <a:t>(8|\+7)</a:t>
@@ -4311,7 +4315,7 @@
             </a:r>
           </a:p>
           <a:p>
-            <a:pPr lvl="1"/>
+            <a:pPr lvl="1" algn="just"/>
             <a:r>
               <a:rPr lang="en-US" sz="1600" dirty="0"/>
               <a:t>[\- ]?</a:t>
@@ -4322,7 +4326,7 @@
             </a:r>
           </a:p>
           <a:p>
-            <a:pPr lvl="1"/>
+            <a:pPr lvl="1" algn="just"/>
             <a:r>
               <a:rPr lang="en-US" sz="1600" dirty="0"/>
               <a:t>((8|\+7)[\- ]?)?</a:t>
@@ -4333,7 +4337,7 @@
             </a:r>
           </a:p>
           <a:p>
-            <a:pPr lvl="1"/>
+            <a:pPr lvl="1" algn="just"/>
             <a:r>
               <a:rPr lang="en-US" sz="1600" dirty="0"/>
               <a:t>\(?\d{3}\)?</a:t>
@@ -4344,14 +4348,35 @@
             </a:r>
           </a:p>
           <a:p>
-            <a:pPr lvl="1"/>
+            <a:pPr lvl="1" algn="just"/>
             <a:r>
               <a:rPr lang="en-US" sz="1600" dirty="0"/>
               <a:t>[\d\- ]{7,10}</a:t>
             </a:r>
             <a:r>
               <a:rPr lang="ru-RU" sz="1600" dirty="0"/>
-              <a:t> – наличие от 7 до 10 цифр, с разделениями</a:t>
+              <a:t> – наличие от 7 до 10 цифр и разделителей</a:t>
+            </a:r>
+          </a:p>
+          <a:p>
+            <a:pPr marL="0" indent="0" algn="just">
+              <a:buNone/>
+            </a:pPr>
+            <a:endParaRPr lang="ru-RU" sz="2000" dirty="0"/>
+          </a:p>
+          <a:p>
+            <a:pPr marL="0" indent="0" algn="just">
+              <a:buNone/>
+            </a:pPr>
+            <a:endParaRPr lang="ru-RU" sz="2000" dirty="0"/>
+          </a:p>
+          <a:p>
+            <a:pPr marL="0" indent="0" algn="just">
+              <a:buNone/>
+            </a:pPr>
+            <a:r>
+              <a:rPr lang="ru-RU" sz="2000" dirty="0"/>
+              <a:t>Есть ли ошибка в данном шаблоне номера телефона?</a:t>
             </a:r>
           </a:p>
           <a:p>
@@ -4389,6 +4414,350 @@
     <p:extLst>
       <p:ext uri="{BB962C8B-B14F-4D97-AF65-F5344CB8AC3E}">
         <p14:creationId xmlns:p14="http://schemas.microsoft.com/office/powerpoint/2010/main" val="1738945069"/>
+      </p:ext>
+    </p:extLst>
+  </p:cSld>
+  <p:clrMapOvr>
+    <a:masterClrMapping/>
+  </p:clrMapOvr>
+</p:sld>
+</file>
+
+<file path=ppt/slides/slide11.xml><?xml version="1.0" encoding="utf-8"?>
+<p:sld xmlns:a="http://schemas.openxmlformats.org/drawingml/2006/main" xmlns:r="http://schemas.openxmlformats.org/officeDocument/2006/relationships" xmlns:p="http://schemas.openxmlformats.org/presentationml/2006/main">
+  <p:cSld>
+    <p:spTree>
+      <p:nvGrpSpPr>
+        <p:cNvPr id="1" name=""/>
+        <p:cNvGrpSpPr/>
+        <p:nvPr/>
+      </p:nvGrpSpPr>
+      <p:grpSpPr>
+        <a:xfrm>
+          <a:off x="0" y="0"/>
+          <a:ext cx="0" cy="0"/>
+          <a:chOff x="0" y="0"/>
+          <a:chExt cx="0" cy="0"/>
+        </a:xfrm>
+      </p:grpSpPr>
+      <p:sp>
+        <p:nvSpPr>
+          <p:cNvPr id="2" name="Заголовок 1"/>
+          <p:cNvSpPr>
+            <a:spLocks noGrp="1"/>
+          </p:cNvSpPr>
+          <p:nvPr>
+            <p:ph type="title"/>
+          </p:nvPr>
+        </p:nvSpPr>
+        <p:spPr/>
+        <p:txBody>
+          <a:bodyPr/>
+          <a:lstStyle/>
+          <a:p>
+            <a:r>
+              <a:rPr lang="ru-RU" sz="3600" dirty="0"/>
+              <a:t>Примеры</a:t>
+            </a:r>
+          </a:p>
+        </p:txBody>
+      </p:sp>
+      <p:sp>
+        <p:nvSpPr>
+          <p:cNvPr id="3" name="Содержимое 2"/>
+          <p:cNvSpPr>
+            <a:spLocks noGrp="1"/>
+          </p:cNvSpPr>
+          <p:nvPr>
+            <p:ph idx="1"/>
+          </p:nvPr>
+        </p:nvSpPr>
+        <p:spPr>
+          <a:xfrm>
+            <a:off x="457200" y="1412776"/>
+            <a:ext cx="8329642" cy="4248472"/>
+          </a:xfrm>
+        </p:spPr>
+        <p:txBody>
+          <a:bodyPr/>
+          <a:lstStyle/>
+          <a:p>
+            <a:pPr algn="just"/>
+            <a:r>
+              <a:rPr lang="ru-RU" sz="2000" dirty="0"/>
+              <a:t>Необходима замена </a:t>
+            </a:r>
+            <a:r>
+              <a:rPr lang="en-US" sz="2000" dirty="0"/>
+              <a:t>[\d\- ]{7,10}</a:t>
+            </a:r>
+            <a:r>
+              <a:rPr lang="ru-RU" sz="2000" dirty="0"/>
+              <a:t>  на (</a:t>
+            </a:r>
+            <a:r>
+              <a:rPr lang="en-US" sz="2000" dirty="0"/>
+              <a:t>[\d][\- ]</a:t>
+            </a:r>
+            <a:r>
+              <a:rPr lang="ru-RU" sz="2000" dirty="0"/>
+              <a:t>?)</a:t>
+            </a:r>
+            <a:r>
+              <a:rPr lang="en-US" sz="2000" dirty="0"/>
+              <a:t>{7}</a:t>
+            </a:r>
+            <a:r>
+              <a:rPr lang="ru-RU" sz="2000" dirty="0"/>
+              <a:t> для исключения номеров вида:</a:t>
+            </a:r>
+          </a:p>
+          <a:p>
+            <a:pPr marL="0" indent="0" algn="just">
+              <a:buNone/>
+            </a:pPr>
+            <a:r>
+              <a:rPr lang="ru-RU" sz="2000" dirty="0"/>
+              <a:t>	8(123)4567890123</a:t>
+            </a:r>
+          </a:p>
+          <a:p>
+            <a:pPr algn="just"/>
+            <a:r>
+              <a:rPr lang="ru-RU" sz="2000" dirty="0"/>
+              <a:t>Улучшенный шаблон по поиску номера телефона: </a:t>
+            </a:r>
+            <a:r>
+              <a:rPr lang="en-US" sz="2000" dirty="0"/>
+              <a:t>^((8|\+7)[\- ]?)?(\(?\d{3}\)?[\- ]?)?</a:t>
+            </a:r>
+            <a:r>
+              <a:rPr lang="ru-RU" sz="2000" dirty="0"/>
+              <a:t>(</a:t>
+            </a:r>
+            <a:r>
+              <a:rPr lang="en-US" sz="2000" dirty="0"/>
+              <a:t>[\d][\- ]</a:t>
+            </a:r>
+            <a:r>
+              <a:rPr lang="ru-RU" sz="2000" dirty="0"/>
+              <a:t>?)</a:t>
+            </a:r>
+            <a:r>
+              <a:rPr lang="en-US" sz="2000" dirty="0"/>
+              <a:t>{7}$</a:t>
+            </a:r>
+            <a:endParaRPr lang="ru-RU" sz="2000" dirty="0"/>
+          </a:p>
+          <a:p>
+            <a:pPr marL="0" indent="0" algn="just">
+              <a:buNone/>
+            </a:pPr>
+            <a:endParaRPr lang="ru-RU" sz="2000" dirty="0"/>
+          </a:p>
+          <a:p>
+            <a:pPr lvl="1"/>
+            <a:endParaRPr lang="ru-RU" sz="1600" dirty="0"/>
+          </a:p>
+        </p:txBody>
+      </p:sp>
+      <p:sp>
+        <p:nvSpPr>
+          <p:cNvPr id="4" name="Дата 3"/>
+          <p:cNvSpPr>
+            <a:spLocks noGrp="1"/>
+          </p:cNvSpPr>
+          <p:nvPr>
+            <p:ph type="dt" sz="half" idx="10"/>
+          </p:nvPr>
+        </p:nvSpPr>
+        <p:spPr/>
+        <p:txBody>
+          <a:bodyPr/>
+          <a:lstStyle/>
+          <a:p>
+            <a:pPr>
+              <a:defRPr/>
+            </a:pPr>
+            <a:r>
+              <a:rPr lang="ru-RU" altLang="en-US" dirty="0"/>
+              <a:t>Нижний Новгород, ННГУ</a:t>
+            </a:r>
+          </a:p>
+        </p:txBody>
+      </p:sp>
+    </p:spTree>
+    <p:extLst>
+      <p:ext uri="{BB962C8B-B14F-4D97-AF65-F5344CB8AC3E}">
+        <p14:creationId xmlns:p14="http://schemas.microsoft.com/office/powerpoint/2010/main" val="3027325318"/>
+      </p:ext>
+    </p:extLst>
+  </p:cSld>
+  <p:clrMapOvr>
+    <a:masterClrMapping/>
+  </p:clrMapOvr>
+</p:sld>
+</file>
+
+<file path=ppt/slides/slide12.xml><?xml version="1.0" encoding="utf-8"?>
+<p:sld xmlns:a="http://schemas.openxmlformats.org/drawingml/2006/main" xmlns:r="http://schemas.openxmlformats.org/officeDocument/2006/relationships" xmlns:p="http://schemas.openxmlformats.org/presentationml/2006/main">
+  <p:cSld>
+    <p:spTree>
+      <p:nvGrpSpPr>
+        <p:cNvPr id="1" name=""/>
+        <p:cNvGrpSpPr/>
+        <p:nvPr/>
+      </p:nvGrpSpPr>
+      <p:grpSpPr>
+        <a:xfrm>
+          <a:off x="0" y="0"/>
+          <a:ext cx="0" cy="0"/>
+          <a:chOff x="0" y="0"/>
+          <a:chExt cx="0" cy="0"/>
+        </a:xfrm>
+      </p:grpSpPr>
+      <p:sp>
+        <p:nvSpPr>
+          <p:cNvPr id="2" name="Заголовок 1"/>
+          <p:cNvSpPr>
+            <a:spLocks noGrp="1"/>
+          </p:cNvSpPr>
+          <p:nvPr>
+            <p:ph type="title"/>
+          </p:nvPr>
+        </p:nvSpPr>
+        <p:spPr/>
+        <p:txBody>
+          <a:bodyPr/>
+          <a:lstStyle/>
+          <a:p>
+            <a:r>
+              <a:rPr lang="ru-RU" sz="3600" dirty="0"/>
+              <a:t>Задача</a:t>
+            </a:r>
+          </a:p>
+        </p:txBody>
+      </p:sp>
+      <p:sp>
+        <p:nvSpPr>
+          <p:cNvPr id="3" name="Содержимое 2"/>
+          <p:cNvSpPr>
+            <a:spLocks noGrp="1"/>
+          </p:cNvSpPr>
+          <p:nvPr>
+            <p:ph idx="1"/>
+          </p:nvPr>
+        </p:nvSpPr>
+        <p:spPr>
+          <a:xfrm>
+            <a:off x="457200" y="1412776"/>
+            <a:ext cx="8329642" cy="4248472"/>
+          </a:xfrm>
+        </p:spPr>
+        <p:txBody>
+          <a:bodyPr/>
+          <a:lstStyle/>
+          <a:p>
+            <a:pPr algn="just"/>
+            <a:r>
+              <a:rPr lang="ru-RU" sz="2000" dirty="0"/>
+              <a:t>В файле</a:t>
+            </a:r>
+            <a:r>
+              <a:rPr lang="en-US" sz="2000" dirty="0"/>
+              <a:t> WarAndPeace.txt</a:t>
+            </a:r>
+            <a:r>
+              <a:rPr lang="ru-RU" sz="2000" dirty="0"/>
+              <a:t>, содержится текст 4-х томов «Войны и Мир» на английском языке. Задача:</a:t>
+            </a:r>
+          </a:p>
+          <a:p>
+            <a:pPr lvl="1" algn="just"/>
+            <a:r>
+              <a:rPr lang="ru-RU" sz="1800" dirty="0"/>
+              <a:t>Необходимо найти количество вхождения слова «</a:t>
+            </a:r>
+            <a:r>
+              <a:rPr lang="en-US" sz="1800" dirty="0"/>
+              <a:t>War</a:t>
+            </a:r>
+            <a:r>
+              <a:rPr lang="ru-RU" sz="1800" dirty="0"/>
+              <a:t>» в текст произведения без учетом регистров.</a:t>
+            </a:r>
+          </a:p>
+          <a:p>
+            <a:pPr lvl="1" algn="just"/>
+            <a:r>
+              <a:rPr lang="ru-RU" sz="1800" dirty="0"/>
+              <a:t>Необходимо заменить все такие вхождения на слово «</a:t>
+            </a:r>
+            <a:r>
+              <a:rPr lang="en-US" sz="1800" dirty="0"/>
+              <a:t>Peace</a:t>
+            </a:r>
+            <a:r>
+              <a:rPr lang="ru-RU" sz="1800" dirty="0"/>
+              <a:t>».</a:t>
+            </a:r>
+          </a:p>
+          <a:p>
+            <a:pPr lvl="1" algn="just"/>
+            <a:r>
+              <a:rPr lang="ru-RU" sz="1800" dirty="0"/>
+              <a:t>В получившемся тексте необходимо найти количество вхождений буквосочетания «</a:t>
+            </a:r>
+            <a:r>
+              <a:rPr lang="en-US" sz="1800" dirty="0"/>
+              <a:t>peace</a:t>
+            </a:r>
+            <a:r>
+              <a:rPr lang="ru-RU" sz="1800" dirty="0"/>
+              <a:t>», без учета регистров.</a:t>
+            </a:r>
+          </a:p>
+          <a:p>
+            <a:pPr marL="327025" lvl="1" indent="0">
+              <a:buNone/>
+            </a:pPr>
+            <a:endParaRPr lang="ru-RU" sz="1600" dirty="0"/>
+          </a:p>
+          <a:p>
+            <a:pPr lvl="1"/>
+            <a:endParaRPr lang="ru-RU" sz="1600" dirty="0"/>
+          </a:p>
+        </p:txBody>
+      </p:sp>
+      <p:sp>
+        <p:nvSpPr>
+          <p:cNvPr id="4" name="Дата 3"/>
+          <p:cNvSpPr>
+            <a:spLocks noGrp="1"/>
+          </p:cNvSpPr>
+          <p:nvPr>
+            <p:ph type="dt" sz="half" idx="10"/>
+          </p:nvPr>
+        </p:nvSpPr>
+        <p:spPr/>
+        <p:txBody>
+          <a:bodyPr/>
+          <a:lstStyle/>
+          <a:p>
+            <a:pPr>
+              <a:defRPr/>
+            </a:pPr>
+            <a:r>
+              <a:rPr lang="ru-RU" altLang="en-US" dirty="0"/>
+              <a:t>Нижний Новгород, ННГУ</a:t>
+            </a:r>
+          </a:p>
+        </p:txBody>
+      </p:sp>
+    </p:spTree>
+    <p:extLst>
+      <p:ext uri="{BB962C8B-B14F-4D97-AF65-F5344CB8AC3E}">
+        <p14:creationId xmlns:p14="http://schemas.microsoft.com/office/powerpoint/2010/main" val="3496074899"/>
       </p:ext>
     </p:extLst>
   </p:cSld>
@@ -4469,6 +4838,13 @@
               <a:rPr lang="ru-RU" sz="2800" dirty="0"/>
               <a:t>Примеры</a:t>
             </a:r>
+            <a:endParaRPr lang="en-US" sz="2800" dirty="0"/>
+          </a:p>
+          <a:p>
+            <a:r>
+              <a:rPr lang="ru-RU" sz="2800" dirty="0"/>
+              <a:t>Задача</a:t>
+            </a:r>
           </a:p>
         </p:txBody>
       </p:sp>
@@ -4565,6 +4941,7 @@
           <a:bodyPr/>
           <a:lstStyle/>
           <a:p>
+            <a:pPr algn="just"/>
             <a:r>
               <a:rPr lang="ru-RU" sz="2000" b="1" dirty="0" err="1"/>
               <a:t>Регуля́рные</a:t>
@@ -4576,6 +4953,10 @@
             <a:r>
               <a:rPr lang="ru-RU" sz="2000" b="1" dirty="0" err="1"/>
               <a:t>выраже́ния</a:t>
+            </a:r>
+            <a:r>
+              <a:rPr lang="ru-RU" sz="2000" b="1" dirty="0"/>
+              <a:t>*</a:t>
             </a:r>
             <a:r>
               <a:rPr lang="ru-RU" sz="2000" dirty="0"/>
@@ -4671,7 +5052,44 @@
               <a:rPr lang="ru-RU" sz="2000" dirty="0"/>
               <a:t>, по-русски её часто называют «шаблоном», «маской»), состоящая из символов и метасимволов и задающая правило поиска. Для манипуляций с текстом дополнительно задаётся строка замены, которая также может содержать в себе специальные символы.</a:t>
             </a:r>
-            <a:endParaRPr lang="ru-RU" sz="1600" dirty="0"/>
+          </a:p>
+          <a:p>
+            <a:pPr algn="just"/>
+            <a:endParaRPr lang="ru-RU" sz="2000" dirty="0"/>
+          </a:p>
+          <a:p>
+            <a:pPr marL="0" indent="0">
+              <a:buNone/>
+            </a:pPr>
+            <a:endParaRPr lang="ru-RU" sz="2000" dirty="0"/>
+          </a:p>
+          <a:p>
+            <a:pPr marL="0" indent="0">
+              <a:buNone/>
+            </a:pPr>
+            <a:endParaRPr lang="ru-RU" sz="1050" dirty="0"/>
+          </a:p>
+          <a:p>
+            <a:pPr marL="0" indent="0">
+              <a:buNone/>
+            </a:pPr>
+            <a:r>
+              <a:rPr lang="ru-RU" sz="1050" dirty="0"/>
+              <a:t>*определение из Википедии: </a:t>
+            </a:r>
+            <a:r>
+              <a:rPr lang="en-US" sz="1050" dirty="0"/>
+              <a:t>https://ru.wikipedia.org/wiki</a:t>
+            </a:r>
+            <a:r>
+              <a:rPr lang="ru-RU" sz="1050" dirty="0"/>
+              <a:t>.</a:t>
+            </a:r>
+            <a:r>
+              <a:rPr lang="ru-RU" sz="1050" dirty="0" err="1"/>
+              <a:t>Регулярные_выражения</a:t>
+            </a:r>
+            <a:endParaRPr lang="ru-RU" sz="1000" dirty="0"/>
           </a:p>
         </p:txBody>
       </p:sp>
@@ -4789,8 +5207,8 @@
         </p:nvSpPr>
         <p:spPr bwMode="auto">
           <a:xfrm>
-            <a:off x="323528" y="1412776"/>
-            <a:ext cx="8820472" cy="4608512"/>
+            <a:off x="323528" y="1268760"/>
+            <a:ext cx="8363272" cy="4824536"/>
           </a:xfrm>
           <a:prstGeom prst="rect">
             <a:avLst/>
@@ -4991,21 +5409,21 @@
             </a:r>
           </a:p>
           <a:p>
-            <a:pPr lvl="1"/>
+            <a:pPr lvl="1" algn="just"/>
             <a:r>
               <a:rPr lang="ru-RU" sz="1800" dirty="0"/>
               <a:t>проверка наличия искомого образца в заданном тексте;</a:t>
             </a:r>
           </a:p>
           <a:p>
-            <a:pPr lvl="1"/>
+            <a:pPr lvl="1" algn="just"/>
             <a:r>
               <a:rPr lang="ru-RU" sz="1800" dirty="0"/>
               <a:t>определение подстроки текста, которая сопоставляется образцу;</a:t>
             </a:r>
           </a:p>
           <a:p>
-            <a:pPr lvl="1"/>
+            <a:pPr lvl="1" algn="just"/>
             <a:r>
               <a:rPr lang="ru-RU" sz="1800" dirty="0"/>
               <a:t>определение групп символов, соответствующих отдельным частям образца.</a:t>
@@ -5019,7 +5437,7 @@
             </a:r>
           </a:p>
           <a:p>
-            <a:pPr lvl="1"/>
+            <a:pPr lvl="1" algn="just"/>
             <a:r>
               <a:rPr lang="ru-RU" sz="1800" kern="0" dirty="0"/>
               <a:t>найти все последовательности символов </a:t>
@@ -5042,14 +5460,14 @@
             </a:r>
           </a:p>
           <a:p>
-            <a:pPr lvl="1"/>
+            <a:pPr lvl="1" algn="just"/>
             <a:r>
               <a:rPr lang="ru-RU" sz="1800" kern="0" dirty="0"/>
               <a:t>найти отдельно стоящее слово </a:t>
             </a:r>
             <a:r>
               <a:rPr lang="ru-RU" sz="1800" i="1" kern="0" dirty="0"/>
-              <a:t>«кот»</a:t>
+              <a:t>«самолет»</a:t>
             </a:r>
             <a:r>
               <a:rPr lang="ru-RU" sz="1800" kern="0" dirty="0"/>
@@ -5057,7 +5475,7 @@
             </a:r>
             <a:r>
               <a:rPr lang="ru-RU" sz="1800" i="1" kern="0" dirty="0"/>
-              <a:t>«кошка»</a:t>
+              <a:t>«аэроплан»</a:t>
             </a:r>
             <a:r>
               <a:rPr lang="ru-RU" sz="1800" kern="0" dirty="0"/>
@@ -5065,14 +5483,14 @@
             </a:r>
           </a:p>
           <a:p>
-            <a:pPr lvl="1"/>
+            <a:pPr lvl="1" algn="just"/>
             <a:r>
               <a:rPr lang="ru-RU" sz="1800" kern="0" dirty="0"/>
               <a:t>найти слово </a:t>
             </a:r>
             <a:r>
               <a:rPr lang="ru-RU" sz="1800" i="1" kern="0" dirty="0"/>
-              <a:t>«кот»</a:t>
+              <a:t>«посуда»</a:t>
             </a:r>
             <a:r>
               <a:rPr lang="ru-RU" sz="1800" kern="0" dirty="0"/>
@@ -5080,7 +5498,7 @@
             </a:r>
             <a:r>
               <a:rPr lang="ru-RU" sz="1800" i="1" kern="0" dirty="0"/>
-              <a:t>«персидский»</a:t>
+              <a:t>«стеклянная»</a:t>
             </a:r>
             <a:r>
               <a:rPr lang="ru-RU" sz="1800" kern="0" dirty="0"/>
@@ -5088,15 +5506,7 @@
             </a:r>
             <a:r>
               <a:rPr lang="ru-RU" sz="1800" i="1" kern="0" dirty="0"/>
-              <a:t>«</a:t>
-            </a:r>
-            <a:r>
-              <a:rPr lang="ru-RU" sz="1800" i="1" kern="0" dirty="0" err="1"/>
-              <a:t>чеширский</a:t>
-            </a:r>
-            <a:r>
-              <a:rPr lang="ru-RU" sz="1800" i="1" kern="0" dirty="0"/>
-              <a:t>»</a:t>
+              <a:t>«пластиковая»</a:t>
             </a:r>
             <a:r>
               <a:rPr lang="ru-RU" sz="1800" kern="0" dirty="0"/>
@@ -5104,22 +5514,22 @@
             </a:r>
           </a:p>
           <a:p>
-            <a:pPr lvl="1"/>
+            <a:pPr lvl="1" algn="just"/>
             <a:r>
               <a:rPr lang="ru-RU" sz="1800" kern="0" dirty="0"/>
               <a:t>убрать из текста все предложения, в которых упоминается слово </a:t>
             </a:r>
             <a:r>
               <a:rPr lang="ru-RU" sz="1800" i="1" kern="0" dirty="0"/>
-              <a:t>кот</a:t>
+              <a:t> «комментарий»</a:t>
             </a:r>
             <a:r>
               <a:rPr lang="ru-RU" sz="1800" kern="0" dirty="0"/>
-              <a:t> или </a:t>
+              <a:t> или </a:t>
             </a:r>
             <a:r>
               <a:rPr lang="ru-RU" sz="1800" i="1" kern="0" dirty="0"/>
-              <a:t>кошка</a:t>
+              <a:t>«тест»</a:t>
             </a:r>
             <a:r>
               <a:rPr lang="ru-RU" sz="1800" kern="0" dirty="0"/>
@@ -5207,6 +5617,7 @@
           <a:bodyPr/>
           <a:lstStyle/>
           <a:p>
+            <a:pPr algn="just"/>
             <a:r>
               <a:rPr lang="ru-RU" sz="2400" dirty="0"/>
               <a:t>Стандартная библиотека в С++11.</a:t>
@@ -5220,7 +5631,15 @@
             </a:r>
             <a:r>
               <a:rPr lang="en-US" sz="2400" dirty="0"/>
-              <a:t>Visual Studio 2008 </a:t>
+              <a:t>Visual Studio 2008</a:t>
+            </a:r>
+            <a:r>
+              <a:rPr lang="ru-RU" sz="2400" dirty="0"/>
+              <a:t> и 2010</a:t>
+            </a:r>
+            <a:r>
+              <a:rPr lang="en-US" sz="2400" dirty="0"/>
+              <a:t> </a:t>
             </a:r>
             <a:r>
               <a:rPr lang="ru-RU" sz="2400" dirty="0"/>
@@ -5228,7 +5647,7 @@
             </a:r>
             <a:r>
               <a:rPr lang="en-US" sz="2400" dirty="0"/>
-              <a:t>std::tr1::regex</a:t>
+              <a:t>std::tr1</a:t>
             </a:r>
             <a:r>
               <a:rPr lang="ru-RU" sz="2400" dirty="0"/>
@@ -5236,7 +5655,7 @@
             </a:r>
             <a:r>
               <a:rPr lang="en-US" sz="2400" dirty="0"/>
-              <a:t>std::regex</a:t>
+              <a:t>std</a:t>
             </a:r>
             <a:r>
               <a:rPr lang="ru-RU" sz="2400" dirty="0"/>
@@ -5244,27 +5663,28 @@
             </a:r>
           </a:p>
           <a:p>
+            <a:pPr algn="just"/>
             <a:r>
               <a:rPr lang="ru-RU" sz="2400" dirty="0"/>
               <a:t>Поддерживаемые синтаксисы:</a:t>
             </a:r>
           </a:p>
           <a:p>
-            <a:pPr lvl="1"/>
+            <a:pPr lvl="1" algn="just"/>
             <a:r>
               <a:rPr lang="en-US" sz="1800" dirty="0"/>
               <a:t>basic</a:t>
             </a:r>
           </a:p>
           <a:p>
-            <a:pPr lvl="1"/>
+            <a:pPr lvl="1" algn="just"/>
             <a:r>
               <a:rPr lang="en-US" sz="1800" dirty="0"/>
               <a:t>extended</a:t>
             </a:r>
           </a:p>
           <a:p>
-            <a:pPr lvl="1"/>
+            <a:pPr lvl="1" algn="just"/>
             <a:r>
               <a:rPr lang="en-US" sz="1800" dirty="0"/>
               <a:t>ECMAScript</a:t>
@@ -5284,7 +5704,7 @@
             <a:endParaRPr lang="en-US" sz="1800" dirty="0"/>
           </a:p>
           <a:p>
-            <a:pPr lvl="1"/>
+            <a:pPr lvl="1" algn="just"/>
             <a:r>
               <a:rPr lang="en-US" sz="1800" dirty="0" err="1"/>
               <a:t>awk</a:t>
@@ -5292,14 +5712,14 @@
             <a:endParaRPr lang="en-US" sz="1800" dirty="0"/>
           </a:p>
           <a:p>
-            <a:pPr lvl="1"/>
+            <a:pPr lvl="1" algn="just"/>
             <a:r>
               <a:rPr lang="en-US" sz="1800" dirty="0"/>
               <a:t>grep</a:t>
             </a:r>
           </a:p>
           <a:p>
-            <a:pPr lvl="1"/>
+            <a:pPr lvl="1" algn="just"/>
             <a:r>
               <a:rPr lang="en-US" sz="1800" dirty="0" err="1"/>
               <a:t>egrep</a:t>
@@ -5307,7 +5727,7 @@
             <a:endParaRPr lang="en-US" sz="1800" dirty="0"/>
           </a:p>
           <a:p>
-            <a:pPr lvl="1"/>
+            <a:pPr lvl="1" algn="just"/>
             <a:r>
               <a:rPr lang="ru-RU" sz="1800" dirty="0"/>
               <a:t>и т.д.</a:t>
@@ -5409,7 +5829,7 @@
         <p:spPr>
           <a:xfrm>
             <a:off x="205680" y="1124744"/>
-            <a:ext cx="8686800" cy="4530725"/>
+            <a:ext cx="8686800" cy="5040560"/>
           </a:xfrm>
         </p:spPr>
         <p:txBody>
@@ -5430,10 +5850,10 @@
             </a:r>
           </a:p>
           <a:p>
-            <a:pPr lvl="1"/>
-            <a:r>
-              <a:rPr lang="en-US" sz="1800" b="1" i="1" dirty="0" err="1"/>
-              <a:t>basic_regex</a:t>
+            <a:pPr lvl="1" algn="just"/>
+            <a:r>
+              <a:rPr lang="en-US" sz="1800" b="1" i="1" dirty="0"/>
+              <a:t>regex</a:t>
             </a:r>
             <a:r>
               <a:rPr lang="ru-RU" sz="1800" b="1" i="1" dirty="0"/>
@@ -5464,26 +5884,27 @@
               <a:t>f = </a:t>
             </a:r>
             <a:r>
-              <a:rPr lang="en-US" sz="1800" b="1" i="1" dirty="0">
-                <a:hlinkClick r:id="rId2"/>
-              </a:rPr>
+              <a:rPr lang="en-US" sz="1800" b="1" i="1" u="sng" dirty="0"/>
               <a:t>std::</a:t>
             </a:r>
             <a:r>
-              <a:rPr lang="en-US" sz="1800" b="1" i="1" dirty="0" err="1">
-                <a:hlinkClick r:id="rId2"/>
-              </a:rPr>
+              <a:rPr lang="en-US" sz="1800" b="1" i="1" u="sng" dirty="0" err="1"/>
               <a:t>regex_constants</a:t>
             </a:r>
             <a:r>
-              <a:rPr lang="en-US" sz="1800" b="1" i="1" dirty="0">
-                <a:hlinkClick r:id="rId2"/>
-              </a:rPr>
-              <a:t>::ECMAScript</a:t>
+              <a:rPr lang="en-US" sz="1800" b="1" i="1" u="sng" dirty="0"/>
+              <a:t>::</a:t>
+            </a:r>
+            <a:br>
+              <a:rPr lang="en-US" sz="1800" b="1" i="1" u="sng" dirty="0"/>
+            </a:br>
+            <a:r>
+              <a:rPr lang="en-US" sz="1800" b="1" i="1" u="sng" dirty="0"/>
+              <a:t>ECMAScript</a:t>
             </a:r>
             <a:r>
               <a:rPr lang="en-US" sz="1800" b="1" i="1" dirty="0"/>
-              <a:t> ); </a:t>
+              <a:t>); </a:t>
             </a:r>
             <a:r>
               <a:rPr lang="en-US" sz="1800" dirty="0"/>
@@ -5523,13 +5944,14 @@
             </a:r>
           </a:p>
           <a:p>
+            <a:pPr algn="just"/>
             <a:r>
               <a:rPr lang="ru-RU" sz="2400" dirty="0"/>
               <a:t>Функции с регулярными выражениями:</a:t>
             </a:r>
           </a:p>
           <a:p>
-            <a:pPr lvl="1"/>
+            <a:pPr lvl="1" algn="just"/>
             <a:r>
               <a:rPr lang="en-US" sz="1800" b="1" i="1" dirty="0"/>
               <a:t>bool </a:t>
@@ -5563,8 +5985,12 @@
               <a:t> </a:t>
             </a:r>
             <a:r>
+              <a:rPr lang="en-US" sz="1800" dirty="0"/>
+              <a:t>–</a:t>
+            </a:r>
+            <a:r>
               <a:rPr lang="ru-RU" sz="1800" dirty="0"/>
-              <a:t>- функция сравнивает строку </a:t>
+              <a:t> функция сравнивает строку </a:t>
             </a:r>
             <a:r>
               <a:rPr lang="en-US" sz="1800" dirty="0"/>
@@ -5601,7 +6027,7 @@
             <a:endParaRPr lang="ru-RU" sz="1800" dirty="0"/>
           </a:p>
           <a:p>
-            <a:pPr lvl="1"/>
+            <a:pPr lvl="1" algn="just"/>
             <a:r>
               <a:rPr lang="en-US" sz="1800" b="1" i="1" dirty="0"/>
               <a:t>bool </a:t>
@@ -5632,7 +6058,7 @@
             </a:r>
             <a:r>
               <a:rPr lang="en-US" sz="1800" dirty="0"/>
-              <a:t> - </a:t>
+              <a:t> – </a:t>
             </a:r>
             <a:r>
               <a:rPr lang="ru-RU" sz="1800" dirty="0"/>
@@ -5644,7 +6070,7 @@
             </a:r>
             <a:r>
               <a:rPr lang="ru-RU" sz="1800" dirty="0"/>
-              <a:t> все соответствующие шаблону </a:t>
+              <a:t> соответствующие шаблону </a:t>
             </a:r>
             <a:r>
               <a:rPr lang="en-US" sz="1800" dirty="0" err="1"/>
@@ -5652,7 +6078,7 @@
             </a:r>
             <a:r>
               <a:rPr lang="ru-RU" sz="1800" dirty="0"/>
-              <a:t> вхождения и записывает их в </a:t>
+              <a:t> вхождения и записывает его в </a:t>
             </a:r>
             <a:r>
               <a:rPr lang="en-US" sz="1800" dirty="0"/>
@@ -5664,24 +6090,16 @@
             </a:r>
             <a:r>
               <a:rPr lang="en-US" sz="1800" dirty="0"/>
-              <a:t>true </a:t>
+              <a:t>true</a:t>
             </a:r>
             <a:r>
               <a:rPr lang="ru-RU" sz="1800" dirty="0"/>
-              <a:t>если найдено </a:t>
-            </a:r>
-            <a:r>
-              <a:rPr lang="ru-RU" sz="1800" dirty="0" err="1"/>
-              <a:t>хотябы</a:t>
-            </a:r>
-            <a:r>
-              <a:rPr lang="ru-RU" sz="1800" dirty="0"/>
-              <a:t> одно соответствие</a:t>
+              <a:t> при нахождение соответствия</a:t>
             </a:r>
             <a:endParaRPr lang="en-US" sz="1800" dirty="0"/>
           </a:p>
           <a:p>
-            <a:pPr lvl="1"/>
+            <a:pPr lvl="1" algn="just"/>
             <a:r>
               <a:rPr lang="en-US" sz="1800" b="1" i="1" dirty="0"/>
               <a:t>string </a:t>
@@ -5716,7 +6134,7 @@
             </a:r>
             <a:r>
               <a:rPr lang="en-US" sz="1800" dirty="0"/>
-              <a:t>- </a:t>
+              <a:t>– </a:t>
             </a:r>
             <a:r>
               <a:rPr lang="ru-RU" sz="1800" dirty="0"/>
@@ -5728,7 +6146,7 @@
             </a:r>
             <a:r>
               <a:rPr lang="ru-RU" sz="1800" dirty="0"/>
-              <a:t> в </a:t>
+              <a:t> в строку </a:t>
             </a:r>
             <a:r>
               <a:rPr lang="en-US" sz="1800" dirty="0"/>
@@ -5736,7 +6154,7 @@
             </a:r>
             <a:r>
               <a:rPr lang="ru-RU" sz="1800" dirty="0"/>
-              <a:t>на </a:t>
+              <a:t>на строку </a:t>
             </a:r>
             <a:r>
               <a:rPr lang="en-US" sz="1800" dirty="0"/>
@@ -5748,7 +6166,7 @@
             </a:r>
           </a:p>
           <a:p>
-            <a:pPr lvl="1"/>
+            <a:pPr lvl="1" algn="just"/>
             <a:r>
               <a:rPr lang="ru-RU" sz="1800" dirty="0"/>
               <a:t>Возможны иные прототипы у каждой из функций</a:t>
@@ -5867,6 +6285,7 @@
           <a:bodyPr/>
           <a:lstStyle/>
           <a:p>
+            <a:pPr algn="just"/>
             <a:r>
               <a:rPr lang="ru-RU" sz="2400" dirty="0"/>
               <a:t>В грамматике </a:t>
@@ -5881,13 +6300,14 @@
             </a:r>
           </a:p>
           <a:p>
-            <a:pPr lvl="1"/>
+            <a:pPr lvl="1" algn="just"/>
             <a:r>
               <a:rPr lang="ru-RU" sz="1800" dirty="0"/>
               <a:t>^ $ \ . * + ? ( ) [ ] { } |</a:t>
             </a:r>
           </a:p>
           <a:p>
+            <a:pPr algn="just"/>
             <a:r>
               <a:rPr lang="ru-RU" sz="2400" dirty="0"/>
               <a:t>Остальные символы считаются обычными.</a:t>
@@ -5995,12 +6415,14 @@
           <a:bodyPr/>
           <a:lstStyle/>
           <a:p>
+            <a:pPr algn="just"/>
             <a:r>
               <a:rPr lang="ru-RU" sz="1800" dirty="0"/>
               <a:t>«\» - экранирующий символ, после него символ интерпретируется по другому. Специальный становиться обычным, а обычный интерпретируется как специальный.</a:t>
             </a:r>
           </a:p>
           <a:p>
+            <a:pPr algn="just"/>
             <a:r>
               <a:rPr lang="ru-RU" sz="1800" dirty="0"/>
               <a:t>«</a:t>
@@ -6011,7 +6433,7 @@
             </a:r>
             <a:r>
               <a:rPr lang="ru-RU" sz="1800" dirty="0"/>
-              <a:t>» - соответствие началу ввода. Например: «</a:t>
+              <a:t>» - соответствие началу строки. Например: «</a:t>
             </a:r>
             <a:r>
               <a:rPr lang="en-US" sz="1800" dirty="0"/>
@@ -6047,6 +6469,7 @@
             </a:r>
           </a:p>
           <a:p>
+            <a:pPr algn="just"/>
             <a:r>
               <a:rPr lang="ru-RU" sz="1800" dirty="0"/>
               <a:t>«</a:t>
@@ -6057,7 +6480,7 @@
             </a:r>
             <a:r>
               <a:rPr lang="ru-RU" sz="1800" dirty="0"/>
-              <a:t>» - соответствует концу ввода.</a:t>
+              <a:t>» - соответствует концу строки.</a:t>
             </a:r>
             <a:r>
               <a:rPr lang="en-US" sz="1800" dirty="0"/>
@@ -6077,13 +6500,14 @@
             </a:r>
           </a:p>
           <a:p>
+            <a:pPr algn="just"/>
             <a:r>
               <a:rPr lang="ru-RU" sz="1800" dirty="0"/>
               <a:t>Повторение предыдущего символа:</a:t>
             </a:r>
           </a:p>
           <a:p>
-            <a:pPr lvl="1"/>
+            <a:pPr lvl="1" algn="just"/>
             <a:r>
               <a:rPr lang="ru-RU" sz="1400" dirty="0"/>
               <a:t>«*» - 0 и более раз</a:t>
@@ -6095,7 +6519,7 @@
             <a:endParaRPr lang="ru-RU" sz="1400" dirty="0"/>
           </a:p>
           <a:p>
-            <a:pPr lvl="1"/>
+            <a:pPr lvl="1" algn="just"/>
             <a:r>
               <a:rPr lang="ru-RU" sz="1400" dirty="0"/>
               <a:t>«+» - 1 и более раз</a:t>
@@ -6107,7 +6531,7 @@
             <a:endParaRPr lang="ru-RU" sz="1400" dirty="0"/>
           </a:p>
           <a:p>
-            <a:pPr lvl="1"/>
+            <a:pPr lvl="1" algn="just"/>
             <a:r>
               <a:rPr lang="ru-RU" sz="1400" dirty="0"/>
               <a:t>«?» - 0 или 1 раз</a:t>
@@ -6119,7 +6543,7 @@
             <a:endParaRPr lang="ru-RU" sz="1400" dirty="0"/>
           </a:p>
           <a:p>
-            <a:pPr lvl="1"/>
+            <a:pPr lvl="1" algn="just"/>
             <a:r>
               <a:rPr lang="ru-RU" sz="1400" dirty="0"/>
               <a:t>«</a:t>
@@ -6155,7 +6579,7 @@
             <a:endParaRPr lang="ru-RU" sz="1400" dirty="0"/>
           </a:p>
           <a:p>
-            <a:pPr lvl="1"/>
+            <a:pPr lvl="1" algn="just"/>
             <a:r>
               <a:rPr lang="ru-RU" sz="1400" dirty="0"/>
               <a:t>«</a:t>
@@ -6199,7 +6623,7 @@
             <a:endParaRPr lang="ru-RU" sz="1400" dirty="0"/>
           </a:p>
           <a:p>
-            <a:pPr lvl="1"/>
+            <a:pPr lvl="1" algn="just"/>
             <a:r>
               <a:rPr lang="ru-RU" sz="1400" dirty="0"/>
               <a:t>Пример «</a:t>
@@ -6279,12 +6703,14 @@
             <a:endParaRPr lang="ru-RU" sz="1400" dirty="0"/>
           </a:p>
           <a:p>
+            <a:pPr algn="just"/>
             <a:r>
               <a:rPr lang="ru-RU" sz="1800" dirty="0"/>
               <a:t>«.» - один любой символ, кроме переноса строки.</a:t>
             </a:r>
           </a:p>
           <a:p>
+            <a:pPr algn="just"/>
             <a:r>
               <a:rPr lang="ru-RU" sz="1800" dirty="0"/>
               <a:t>«</a:t>
@@ -6327,6 +6753,7 @@
             </a:r>
           </a:p>
           <a:p>
+            <a:pPr algn="just"/>
             <a:r>
               <a:rPr lang="ru-RU" sz="1800" dirty="0"/>
               <a:t>«</a:t>
@@ -6341,6 +6768,7 @@
             </a:r>
           </a:p>
           <a:p>
+            <a:pPr algn="just"/>
             <a:r>
               <a:rPr lang="ru-RU" sz="1800" dirty="0"/>
               <a:t>«(…)»</a:t>
@@ -6461,56 +6889,46 @@
           <a:bodyPr/>
           <a:lstStyle/>
           <a:p>
+            <a:pPr algn="just"/>
             <a:r>
               <a:rPr lang="ru-RU" sz="1800" dirty="0"/>
               <a:t>\</a:t>
             </a:r>
             <a:r>
               <a:rPr lang="en-US" sz="1800" dirty="0"/>
-              <a:t>b - c</a:t>
-            </a:r>
-            <a:r>
-              <a:rPr lang="ru-RU" sz="1800" dirty="0" err="1"/>
-              <a:t>оответствует</a:t>
+              <a:t>b – </a:t>
             </a:r>
             <a:r>
               <a:rPr lang="ru-RU" sz="1800" dirty="0"/>
-              <a:t> границе слова.</a:t>
+              <a:t>соответствует границе слова.</a:t>
             </a:r>
             <a:endParaRPr lang="en-US" sz="1800" dirty="0"/>
           </a:p>
           <a:p>
+            <a:pPr algn="just"/>
             <a:r>
               <a:rPr lang="en-US" sz="1800" dirty="0"/>
-              <a:t>\B - c</a:t>
-            </a:r>
-            <a:r>
-              <a:rPr lang="ru-RU" sz="1800" dirty="0" err="1"/>
-              <a:t>оответствует</a:t>
+              <a:t>\B </a:t>
             </a:r>
             <a:r>
               <a:rPr lang="ru-RU" sz="1800" dirty="0"/>
-              <a:t> </a:t>
-            </a:r>
-            <a:r>
-              <a:rPr lang="ru-RU" sz="1800" dirty="0" err="1"/>
-              <a:t>несловообразующей</a:t>
-            </a:r>
-            <a:r>
-              <a:rPr lang="ru-RU" sz="1800" dirty="0"/>
-              <a:t> границе.</a:t>
+              <a:t>–</a:t>
             </a:r>
             <a:r>
               <a:rPr lang="en-US" sz="1800" dirty="0"/>
               <a:t> </a:t>
             </a:r>
             <a:r>
-              <a:rPr lang="ru-RU" sz="1800" dirty="0" err="1"/>
-              <a:t>Несловообразующая</a:t>
-            </a:r>
-            <a:r>
               <a:rPr lang="ru-RU" sz="1800" dirty="0"/>
-              <a:t> граница соответствует позиции, в которой предыдущий и следующий символы являются символами одного типа</a:t>
+              <a:t>соответствует не словообразующей границе.</a:t>
+            </a:r>
+            <a:r>
+              <a:rPr lang="en-US" sz="1800" dirty="0"/>
+              <a:t> </a:t>
+            </a:r>
+            <a:r>
+              <a:rPr lang="ru-RU" sz="1800" dirty="0"/>
+              <a:t>Не словообразующая граница соответствует позиции, в которой предыдущий и следующий символы являются символами одного типа</a:t>
             </a:r>
             <a:r>
               <a:rPr lang="en-US" sz="1800" dirty="0"/>
@@ -6518,20 +6936,18 @@
             </a:r>
           </a:p>
           <a:p>
+            <a:pPr algn="just"/>
             <a:r>
               <a:rPr lang="en-US" sz="1800" dirty="0"/>
-              <a:t>\d – c</a:t>
-            </a:r>
-            <a:r>
-              <a:rPr lang="ru-RU" sz="1800" dirty="0" err="1"/>
-              <a:t>оответствует</a:t>
+              <a:t>\d – </a:t>
             </a:r>
             <a:r>
               <a:rPr lang="ru-RU" sz="1800" dirty="0"/>
-              <a:t> цифровому символу.</a:t>
-            </a:r>
-          </a:p>
-          <a:p>
+              <a:t>соответствует цифровому символу.</a:t>
+            </a:r>
+          </a:p>
+          <a:p>
+            <a:pPr algn="just"/>
             <a:r>
               <a:rPr lang="ru-RU" sz="1800" dirty="0"/>
               <a:t>\</a:t>
@@ -6542,22 +6958,11 @@
             </a:r>
             <a:r>
               <a:rPr lang="ru-RU" sz="1800" dirty="0"/>
-              <a:t>– </a:t>
-            </a:r>
-            <a:r>
-              <a:rPr lang="en-US" sz="1800" dirty="0"/>
-              <a:t>c</a:t>
-            </a:r>
-            <a:r>
-              <a:rPr lang="ru-RU" sz="1800" dirty="0" err="1"/>
-              <a:t>оответствует</a:t>
-            </a:r>
-            <a:r>
-              <a:rPr lang="ru-RU" sz="1800" dirty="0"/>
-              <a:t> нецифровому символу.</a:t>
-            </a:r>
-          </a:p>
-          <a:p>
+              <a:t>– соответствует нецифровому символу.</a:t>
+            </a:r>
+          </a:p>
+          <a:p>
+            <a:pPr algn="just"/>
             <a:r>
               <a:rPr lang="ru-RU" sz="1800" dirty="0"/>
               <a:t>\</a:t>
@@ -6572,6 +6977,7 @@
             </a:r>
           </a:p>
           <a:p>
+            <a:pPr algn="just"/>
             <a:r>
               <a:rPr lang="ru-RU" sz="1800" dirty="0"/>
               <a:t>\</a:t>
@@ -6590,10 +6996,11 @@
             </a:r>
             <a:r>
               <a:rPr lang="ru-RU" sz="1800" dirty="0"/>
-              <a:t>и т.д.</a:t>
-            </a:r>
-          </a:p>
-          <a:p>
+              <a:t>и т.п.</a:t>
+            </a:r>
+          </a:p>
+          <a:p>
+            <a:pPr algn="just"/>
             <a:r>
               <a:rPr lang="ru-RU" sz="1800" dirty="0"/>
               <a:t>\</a:t>
@@ -6608,6 +7015,7 @@
             </a:r>
           </a:p>
           <a:p>
+            <a:pPr algn="just"/>
             <a:r>
               <a:rPr lang="ru-RU" sz="1800" dirty="0"/>
               <a:t>\</a:t>
@@ -6626,6 +7034,7 @@
             </a:r>
           </a:p>
           <a:p>
+            <a:pPr algn="just"/>
             <a:r>
               <a:rPr lang="en-US" sz="1800" dirty="0"/>
               <a:t>\v – </a:t>
@@ -6641,6 +7050,7 @@
             <a:endParaRPr lang="ru-RU" sz="1800" dirty="0"/>
           </a:p>
           <a:p>
+            <a:pPr algn="just"/>
             <a:r>
               <a:rPr lang="en-US" sz="1800" dirty="0"/>
               <a:t>\w </a:t>
@@ -6659,6 +7069,7 @@
             </a:r>
           </a:p>
           <a:p>
+            <a:pPr algn="just"/>
             <a:r>
               <a:rPr lang="ru-RU" sz="1800" dirty="0"/>
               <a:t>\</a:t>
@@ -6673,6 +7084,7 @@
             </a:r>
           </a:p>
           <a:p>
+            <a:pPr algn="just"/>
             <a:r>
               <a:rPr lang="ru-RU" sz="1800" dirty="0"/>
               <a:t>И т.д.</a:t>
